--- a/EnergyTechologies/Lectures/Geothermal/Lecture1/JeffGomes_Geothermal_InitialAnalysis.pptx
+++ b/EnergyTechologies/Lectures/Geothermal/Lecture1/JeffGomes_Geothermal_InitialAnalysis.pptx
@@ -218,7 +218,7 @@
             <a:fld id="{67EA4576-8FDF-422F-9AF9-F5A1B2F58AA1}" type="datetimeFigureOut">
               <a:rPr lang="en-GB" smtClean="0"/>
               <a:pPr/>
-              <a:t>12/09/2014</a:t>
+              <a:t>05/08/2015</a:t>
             </a:fld>
             <a:endParaRPr lang="en-GB"/>
           </a:p>
@@ -389,7 +389,7 @@
     </p:spTree>
     <p:extLst>
       <p:ext uri="{BB962C8B-B14F-4D97-AF65-F5344CB8AC3E}">
-        <p14:creationId xmlns:p14="http://schemas.microsoft.com/office/powerpoint/2010/main" xmlns="" val="854106276"/>
+        <p14:creationId xmlns="" xmlns:p14="http://schemas.microsoft.com/office/powerpoint/2010/main" val="854106276"/>
       </p:ext>
     </p:extLst>
   </p:cSld>
@@ -865,7 +865,7 @@
           <a:blip r:embed="rId3" cstate="print">
             <a:extLst>
               <a:ext uri="{28A0092B-C50C-407E-A947-70E740481C1C}">
-                <a14:useLocalDpi xmlns:a14="http://schemas.microsoft.com/office/drawing/2010/main" xmlns=""/>
+                <a14:useLocalDpi xmlns="" xmlns:a14="http://schemas.microsoft.com/office/drawing/2010/main"/>
               </a:ext>
             </a:extLst>
           </a:blip>
@@ -888,14 +888,14 @@
           </a:ln>
           <a:extLst>
             <a:ext uri="{909E8E84-426E-40DD-AFC4-6F175D3DCCD1}">
-              <a14:hiddenFill xmlns:a14="http://schemas.microsoft.com/office/drawing/2010/main" xmlns="">
+              <a14:hiddenFill xmlns="" xmlns:a14="http://schemas.microsoft.com/office/drawing/2010/main">
                 <a:solidFill>
                   <a:srgbClr val="FFFFFF"/>
                 </a:solidFill>
               </a14:hiddenFill>
             </a:ext>
             <a:ext uri="{91240B29-F687-4F45-9708-019B960494DF}">
-              <a14:hiddenLine xmlns:a14="http://schemas.microsoft.com/office/drawing/2010/main" xmlns="" w="12700">
+              <a14:hiddenLine xmlns="" xmlns:a14="http://schemas.microsoft.com/office/drawing/2010/main" w="12700">
                 <a:solidFill>
                   <a:srgbClr val="000000"/>
                 </a:solidFill>
@@ -1272,7 +1272,7 @@
           <a:blip r:embed="rId2" cstate="print">
             <a:extLst>
               <a:ext uri="{28A0092B-C50C-407E-A947-70E740481C1C}">
-                <a14:useLocalDpi xmlns:a14="http://schemas.microsoft.com/office/drawing/2010/main" xmlns="" val="0"/>
+                <a14:useLocalDpi xmlns="" xmlns:a14="http://schemas.microsoft.com/office/drawing/2010/main" val="0"/>
               </a:ext>
             </a:extLst>
           </a:blip>
@@ -1290,7 +1290,7 @@
           <a:noFill/>
           <a:extLst>
             <a:ext uri="{909E8E84-426E-40DD-AFC4-6F175D3DCCD1}">
-              <a14:hiddenFill xmlns:a14="http://schemas.microsoft.com/office/drawing/2010/main" xmlns="">
+              <a14:hiddenFill xmlns="" xmlns:a14="http://schemas.microsoft.com/office/drawing/2010/main">
                 <a:solidFill>
                   <a:srgbClr val="FFFFFF"/>
                 </a:solidFill>
@@ -1311,7 +1311,7 @@
           <a:blip r:embed="rId3" cstate="print">
             <a:extLst>
               <a:ext uri="{28A0092B-C50C-407E-A947-70E740481C1C}">
-                <a14:useLocalDpi xmlns:a14="http://schemas.microsoft.com/office/drawing/2010/main" xmlns=""/>
+                <a14:useLocalDpi xmlns="" xmlns:a14="http://schemas.microsoft.com/office/drawing/2010/main"/>
               </a:ext>
             </a:extLst>
           </a:blip>
@@ -1334,14 +1334,14 @@
           </a:ln>
           <a:extLst>
             <a:ext uri="{909E8E84-426E-40DD-AFC4-6F175D3DCCD1}">
-              <a14:hiddenFill xmlns:a14="http://schemas.microsoft.com/office/drawing/2010/main" xmlns="">
+              <a14:hiddenFill xmlns="" xmlns:a14="http://schemas.microsoft.com/office/drawing/2010/main">
                 <a:solidFill>
                   <a:srgbClr val="FFFFFF"/>
                 </a:solidFill>
               </a14:hiddenFill>
             </a:ext>
             <a:ext uri="{91240B29-F687-4F45-9708-019B960494DF}">
-              <a14:hiddenLine xmlns:a14="http://schemas.microsoft.com/office/drawing/2010/main" xmlns="" w="12700">
+              <a14:hiddenLine xmlns="" xmlns:a14="http://schemas.microsoft.com/office/drawing/2010/main" w="12700">
                 <a:solidFill>
                   <a:srgbClr val="000000"/>
                 </a:solidFill>
@@ -1356,7 +1356,7 @@
     </p:spTree>
     <p:extLst>
       <p:ext uri="{BB962C8B-B14F-4D97-AF65-F5344CB8AC3E}">
-        <p14:creationId xmlns:p14="http://schemas.microsoft.com/office/powerpoint/2010/main" xmlns="" val="2946356026"/>
+        <p14:creationId xmlns="" xmlns:p14="http://schemas.microsoft.com/office/powerpoint/2010/main" val="2946356026"/>
       </p:ext>
     </p:extLst>
   </p:cSld>
@@ -1756,7 +1756,7 @@
     </p:spTree>
     <p:extLst>
       <p:ext uri="{BB962C8B-B14F-4D97-AF65-F5344CB8AC3E}">
-        <p14:creationId xmlns:p14="http://schemas.microsoft.com/office/powerpoint/2010/main" xmlns="" val="1347745825"/>
+        <p14:creationId xmlns="" xmlns:p14="http://schemas.microsoft.com/office/powerpoint/2010/main" val="1347745825"/>
       </p:ext>
     </p:extLst>
   </p:cSld>
@@ -1933,7 +1933,7 @@
           <a:blip r:embed="rId2" cstate="print">
             <a:extLst>
               <a:ext uri="{28A0092B-C50C-407E-A947-70E740481C1C}">
-                <a14:useLocalDpi xmlns:a14="http://schemas.microsoft.com/office/drawing/2010/main" xmlns=""/>
+                <a14:useLocalDpi xmlns="" xmlns:a14="http://schemas.microsoft.com/office/drawing/2010/main"/>
               </a:ext>
             </a:extLst>
           </a:blip>
@@ -1956,14 +1956,14 @@
           </a:ln>
           <a:extLst>
             <a:ext uri="{909E8E84-426E-40DD-AFC4-6F175D3DCCD1}">
-              <a14:hiddenFill xmlns:a14="http://schemas.microsoft.com/office/drawing/2010/main" xmlns="">
+              <a14:hiddenFill xmlns="" xmlns:a14="http://schemas.microsoft.com/office/drawing/2010/main">
                 <a:solidFill>
                   <a:srgbClr val="FFFFFF"/>
                 </a:solidFill>
               </a14:hiddenFill>
             </a:ext>
             <a:ext uri="{91240B29-F687-4F45-9708-019B960494DF}">
-              <a14:hiddenLine xmlns:a14="http://schemas.microsoft.com/office/drawing/2010/main" xmlns="" w="9525">
+              <a14:hiddenLine xmlns="" xmlns:a14="http://schemas.microsoft.com/office/drawing/2010/main" w="9525">
                 <a:solidFill>
                   <a:srgbClr val="000000"/>
                 </a:solidFill>
@@ -2135,7 +2135,7 @@
           <a:blip r:embed="rId2" cstate="screen">
             <a:extLst>
               <a:ext uri="{28A0092B-C50C-407E-A947-70E740481C1C}">
-                <a14:useLocalDpi xmlns:a14="http://schemas.microsoft.com/office/drawing/2010/main" xmlns=""/>
+                <a14:useLocalDpi xmlns="" xmlns:a14="http://schemas.microsoft.com/office/drawing/2010/main"/>
               </a:ext>
             </a:extLst>
           </a:blip>
@@ -2158,14 +2158,14 @@
           </a:ln>
           <a:extLst>
             <a:ext uri="{909E8E84-426E-40DD-AFC4-6F175D3DCCD1}">
-              <a14:hiddenFill xmlns:a14="http://schemas.microsoft.com/office/drawing/2010/main" xmlns="">
+              <a14:hiddenFill xmlns="" xmlns:a14="http://schemas.microsoft.com/office/drawing/2010/main">
                 <a:solidFill>
                   <a:srgbClr val="FFFFFF"/>
                 </a:solidFill>
               </a14:hiddenFill>
             </a:ext>
             <a:ext uri="{91240B29-F687-4F45-9708-019B960494DF}">
-              <a14:hiddenLine xmlns:a14="http://schemas.microsoft.com/office/drawing/2010/main" xmlns="" w="9525">
+              <a14:hiddenLine xmlns="" xmlns:a14="http://schemas.microsoft.com/office/drawing/2010/main" w="9525">
                 <a:solidFill>
                   <a:srgbClr val="000000"/>
                 </a:solidFill>
@@ -2189,7 +2189,7 @@
           <a:blip r:embed="rId3" cstate="print">
             <a:extLst>
               <a:ext uri="{28A0092B-C50C-407E-A947-70E740481C1C}">
-                <a14:useLocalDpi xmlns:a14="http://schemas.microsoft.com/office/drawing/2010/main" xmlns=""/>
+                <a14:useLocalDpi xmlns="" xmlns:a14="http://schemas.microsoft.com/office/drawing/2010/main"/>
               </a:ext>
             </a:extLst>
           </a:blip>
@@ -2212,14 +2212,14 @@
           </a:ln>
           <a:extLst>
             <a:ext uri="{909E8E84-426E-40DD-AFC4-6F175D3DCCD1}">
-              <a14:hiddenFill xmlns:a14="http://schemas.microsoft.com/office/drawing/2010/main" xmlns="">
+              <a14:hiddenFill xmlns="" xmlns:a14="http://schemas.microsoft.com/office/drawing/2010/main">
                 <a:solidFill>
                   <a:srgbClr val="FFFFFF"/>
                 </a:solidFill>
               </a14:hiddenFill>
             </a:ext>
             <a:ext uri="{91240B29-F687-4F45-9708-019B960494DF}">
-              <a14:hiddenLine xmlns:a14="http://schemas.microsoft.com/office/drawing/2010/main" xmlns="" w="12700">
+              <a14:hiddenLine xmlns="" xmlns:a14="http://schemas.microsoft.com/office/drawing/2010/main" w="12700">
                 <a:solidFill>
                   <a:srgbClr val="000000"/>
                 </a:solidFill>
@@ -3166,7 +3166,7 @@
           <a:blip r:embed="rId16" cstate="print">
             <a:extLst>
               <a:ext uri="{28A0092B-C50C-407E-A947-70E740481C1C}">
-                <a14:useLocalDpi xmlns:a14="http://schemas.microsoft.com/office/drawing/2010/main" xmlns=""/>
+                <a14:useLocalDpi xmlns="" xmlns:a14="http://schemas.microsoft.com/office/drawing/2010/main"/>
               </a:ext>
             </a:extLst>
           </a:blip>
@@ -3189,14 +3189,14 @@
           </a:ln>
           <a:extLst>
             <a:ext uri="{909E8E84-426E-40DD-AFC4-6F175D3DCCD1}">
-              <a14:hiddenFill xmlns:a14="http://schemas.microsoft.com/office/drawing/2010/main" xmlns="">
+              <a14:hiddenFill xmlns="" xmlns:a14="http://schemas.microsoft.com/office/drawing/2010/main">
                 <a:solidFill>
                   <a:srgbClr val="FFFFFF"/>
                 </a:solidFill>
               </a14:hiddenFill>
             </a:ext>
             <a:ext uri="{91240B29-F687-4F45-9708-019B960494DF}">
-              <a14:hiddenLine xmlns:a14="http://schemas.microsoft.com/office/drawing/2010/main" xmlns="" w="12700">
+              <a14:hiddenLine xmlns="" xmlns:a14="http://schemas.microsoft.com/office/drawing/2010/main" w="12700">
                 <a:solidFill>
                   <a:srgbClr val="000000"/>
                 </a:solidFill>
@@ -3771,8 +3771,23 @@
                 </a:solidFill>
                 <a:latin typeface="Cambria" pitchFamily="18" charset="0"/>
               </a:rPr>
-              <a:t>September 2014</a:t>
-            </a:r>
+              <a:t>September </a:t>
+            </a:r>
+            <a:r>
+              <a:rPr lang="en-US" sz="2000" b="1" kern="0" dirty="0" smtClean="0">
+                <a:solidFill>
+                  <a:srgbClr val="0070C0"/>
+                </a:solidFill>
+                <a:latin typeface="Cambria" pitchFamily="18" charset="0"/>
+              </a:rPr>
+              <a:t>2015</a:t>
+            </a:r>
+            <a:endParaRPr lang="en-US" sz="2000" b="1" kern="0" dirty="0" smtClean="0">
+              <a:solidFill>
+                <a:srgbClr val="0070C0"/>
+              </a:solidFill>
+              <a:latin typeface="Cambria" pitchFamily="18" charset="0"/>
+            </a:endParaRPr>
           </a:p>
         </p:txBody>
       </p:sp>
@@ -3844,15 +3859,7 @@
                   <a:srgbClr val="C00000"/>
                 </a:solidFill>
               </a:rPr>
-              <a:t>Geothermal Energy</a:t>
-            </a:r>
-            <a:r>
-              <a:rPr lang="en-GB" sz="4000" b="1" dirty="0" smtClean="0">
-                <a:solidFill>
-                  <a:srgbClr val="C00000"/>
-                </a:solidFill>
-              </a:rPr>
-              <a:t>:</a:t>
+              <a:t>Geothermal Energy:</a:t>
             </a:r>
             <a:endParaRPr lang="en-GB" sz="2400" b="1" dirty="0">
               <a:solidFill>
@@ -6832,8 +6839,8 @@
         </p:nvSpPr>
         <p:spPr>
           <a:xfrm>
-            <a:off x="72008" y="1056793"/>
-            <a:ext cx="3347864" cy="5324535"/>
+            <a:off x="72008" y="836712"/>
+            <a:ext cx="3347864" cy="5632311"/>
           </a:xfrm>
           <a:prstGeom prst="rect">
             <a:avLst/>
@@ -6846,7 +6853,7 @@
           </a:bodyPr>
           <a:lstStyle/>
           <a:p>
-            <a:pPr algn="just">
+            <a:pPr marL="233363" indent="-233363" algn="just">
               <a:buFont typeface="Wingdings" pitchFamily="2" charset="2"/>
               <a:buChar char="Ø"/>
             </a:pPr>
@@ -6860,7 +6867,7 @@
             </a:r>
           </a:p>
           <a:p>
-            <a:pPr algn="just">
+            <a:pPr marL="233363" indent="-233363" algn="just">
               <a:buFont typeface="Wingdings" pitchFamily="2" charset="2"/>
               <a:buChar char="Ø"/>
             </a:pPr>
@@ -6874,7 +6881,7 @@
             </a:r>
           </a:p>
           <a:p>
-            <a:pPr algn="just">
+            <a:pPr marL="233363" indent="-233363" algn="just">
               <a:buFont typeface="Wingdings" pitchFamily="2" charset="2"/>
               <a:buChar char="Ø"/>
             </a:pPr>
@@ -6888,7 +6895,7 @@
             </a:r>
           </a:p>
           <a:p>
-            <a:pPr algn="just">
+            <a:pPr marL="233363" indent="-233363" algn="just">
               <a:buFont typeface="Wingdings" pitchFamily="2" charset="2"/>
               <a:buChar char="Ø"/>
             </a:pPr>
@@ -7232,14 +7239,14 @@
           <a:effectLst/>
           <a:extLst>
             <a:ext uri="{909E8E84-426E-40DD-AFC4-6F175D3DCCD1}">
-              <a14:hiddenFill xmlns:a14="http://schemas.microsoft.com/office/drawing/2010/main" xmlns="">
+              <a14:hiddenFill xmlns="" xmlns:a14="http://schemas.microsoft.com/office/drawing/2010/main">
                 <a:solidFill>
                   <a:srgbClr val="FFFFFF"/>
                 </a:solidFill>
               </a14:hiddenFill>
             </a:ext>
             <a:ext uri="{91240B29-F687-4F45-9708-019B960494DF}">
-              <a14:hiddenLine xmlns:a14="http://schemas.microsoft.com/office/drawing/2010/main" xmlns="" w="9525">
+              <a14:hiddenLine xmlns="" xmlns:a14="http://schemas.microsoft.com/office/drawing/2010/main" w="9525">
                 <a:solidFill>
                   <a:srgbClr val="808080"/>
                 </a:solidFill>
@@ -7249,7 +7256,7 @@
               </a14:hiddenLine>
             </a:ext>
             <a:ext uri="{AF507438-7753-43E0-B8FC-AC1667EBCBE1}">
-              <a14:hiddenEffects xmlns:a14="http://schemas.microsoft.com/office/drawing/2010/main" xmlns="">
+              <a14:hiddenEffects xmlns="" xmlns:a14="http://schemas.microsoft.com/office/drawing/2010/main">
                 <a:effectLst>
                   <a:outerShdw dist="35921" dir="2700000" algn="ctr" rotWithShape="0">
                     <a:srgbClr val="808080"/>
@@ -7726,19 +7733,7 @@
           <a:p>
             <a:r>
               <a:rPr lang="en-US" dirty="0" smtClean="0"/>
-              <a:t>(</a:t>
-            </a:r>
-            <a:r>
-              <a:rPr lang="en-US" dirty="0" smtClean="0"/>
-              <a:t> Blue Lagoon, Iceland. Hot springs with geothermal plant in the background</a:t>
-            </a:r>
-            <a:r>
-              <a:rPr lang="en-US" dirty="0" smtClean="0"/>
-              <a:t>.</a:t>
-            </a:r>
-            <a:r>
-              <a:rPr lang="en-US" dirty="0" smtClean="0"/>
-              <a:t>)</a:t>
+              <a:t>( Blue Lagoon, Iceland. Hot springs with geothermal plant in the background.)</a:t>
             </a:r>
             <a:endParaRPr lang="en-US" dirty="0"/>
           </a:p>
@@ -17548,7 +17543,7 @@
     </p:spTree>
     <p:extLst>
       <p:ext uri="{BB962C8B-B14F-4D97-AF65-F5344CB8AC3E}">
-        <p14:creationId xmlns:p14="http://schemas.microsoft.com/office/powerpoint/2010/main" xmlns="" val="1329259536"/>
+        <p14:creationId xmlns="" xmlns:p14="http://schemas.microsoft.com/office/powerpoint/2010/main" val="1329259536"/>
       </p:ext>
     </p:extLst>
   </p:cSld>
@@ -19323,15 +19318,7 @@
                   <a:srgbClr val="0070C0"/>
                 </a:solidFill>
               </a:rPr>
-              <a:t>Solid and Liquid Waste</a:t>
-            </a:r>
-            <a:r>
-              <a:rPr lang="en-US" sz="2000" b="1" dirty="0" smtClean="0">
-                <a:solidFill>
-                  <a:srgbClr val="0070C0"/>
-                </a:solidFill>
-              </a:rPr>
-              <a:t>: </a:t>
+              <a:t>Solid and Liquid Waste: </a:t>
             </a:r>
             <a:r>
               <a:rPr lang="en-US" sz="2000" dirty="0" smtClean="0">
@@ -19857,15 +19844,7 @@
                   <a:srgbClr val="0070C0"/>
                 </a:solidFill>
               </a:rPr>
-              <a:t>Current </a:t>
-            </a:r>
-            <a:r>
-              <a:rPr lang="en-GB" sz="2800" dirty="0" smtClean="0">
-                <a:solidFill>
-                  <a:srgbClr val="0070C0"/>
-                </a:solidFill>
-              </a:rPr>
-              <a:t>geothermal technologies;</a:t>
+              <a:t>Current geothermal technologies;</a:t>
             </a:r>
           </a:p>
           <a:p>
@@ -19919,7 +19898,7 @@
     </p:spTree>
     <p:extLst>
       <p:ext uri="{BB962C8B-B14F-4D97-AF65-F5344CB8AC3E}">
-        <p14:creationId xmlns:p14="http://schemas.microsoft.com/office/powerpoint/2010/main" xmlns="" val="1329259536"/>
+        <p14:creationId xmlns="" xmlns:p14="http://schemas.microsoft.com/office/powerpoint/2010/main" val="1329259536"/>
       </p:ext>
     </p:extLst>
   </p:cSld>
@@ -20013,15 +19992,7 @@
                   <a:srgbClr val="0070C0"/>
                 </a:solidFill>
               </a:rPr>
-              <a:t>Annual </a:t>
-            </a:r>
-            <a:r>
-              <a:rPr lang="en-GB" dirty="0" smtClean="0">
-                <a:solidFill>
-                  <a:srgbClr val="0070C0"/>
-                </a:solidFill>
-              </a:rPr>
-              <a:t>Energy review 2011 (DoE/EIA-0384): </a:t>
+              <a:t>Annual Energy review 2011 (DoE/EIA-0384): </a:t>
             </a:r>
             <a:r>
               <a:rPr lang="en-GB" dirty="0" smtClean="0">
@@ -20449,7 +20420,7 @@
     </p:spTree>
     <p:extLst>
       <p:ext uri="{BB962C8B-B14F-4D97-AF65-F5344CB8AC3E}">
-        <p14:creationId xmlns:p14="http://schemas.microsoft.com/office/powerpoint/2010/main" xmlns="" val="413991555"/>
+        <p14:creationId xmlns="" xmlns:p14="http://schemas.microsoft.com/office/powerpoint/2010/main" val="413991555"/>
       </p:ext>
     </p:extLst>
   </p:cSld>
@@ -20694,7 +20665,7 @@
     </p:spTree>
     <p:extLst>
       <p:ext uri="{BB962C8B-B14F-4D97-AF65-F5344CB8AC3E}">
-        <p14:creationId xmlns:p14="http://schemas.microsoft.com/office/powerpoint/2010/main" xmlns="" val="3596195924"/>
+        <p14:creationId xmlns="" xmlns:p14="http://schemas.microsoft.com/office/powerpoint/2010/main" val="3596195924"/>
       </p:ext>
     </p:extLst>
   </p:cSld>
